--- a/presentations/bbspot_final.pptx
+++ b/presentations/bbspot_final.pptx
@@ -31,9 +31,10 @@
     <p:sldId id="308" r:id="rId25"/>
     <p:sldId id="309" r:id="rId26"/>
     <p:sldId id="272" r:id="rId27"/>
-    <p:sldId id="262" r:id="rId28"/>
-    <p:sldId id="285" r:id="rId29"/>
-    <p:sldId id="282" r:id="rId30"/>
+    <p:sldId id="310" r:id="rId28"/>
+    <p:sldId id="262" r:id="rId29"/>
+    <p:sldId id="285" r:id="rId30"/>
+    <p:sldId id="282" r:id="rId31"/>
   </p:sldIdLst>
   <p:sldSz cx="12192000" cy="6858000"/>
   <p:notesSz cx="6858000" cy="9144000"/>
@@ -21797,7 +21798,7 @@
           <a:p>
             <a:fld id="{D9036FF8-DFB4-DA4A-9D0C-E9CD7C57E776}" type="datetimeFigureOut">
               <a:rPr lang="en-US" smtClean="0"/>
-              <a:t>2/8/21</a:t>
+              <a:t>2/11/21</a:t>
             </a:fld>
             <a:endParaRPr lang="en-US"/>
           </a:p>
@@ -21967,7 +21968,7 @@
           <a:p>
             <a:fld id="{D9036FF8-DFB4-DA4A-9D0C-E9CD7C57E776}" type="datetimeFigureOut">
               <a:rPr lang="en-US" smtClean="0"/>
-              <a:t>2/8/21</a:t>
+              <a:t>2/11/21</a:t>
             </a:fld>
             <a:endParaRPr lang="en-US"/>
           </a:p>
@@ -22147,7 +22148,7 @@
           <a:p>
             <a:fld id="{D9036FF8-DFB4-DA4A-9D0C-E9CD7C57E776}" type="datetimeFigureOut">
               <a:rPr lang="en-US" smtClean="0"/>
-              <a:t>2/8/21</a:t>
+              <a:t>2/11/21</a:t>
             </a:fld>
             <a:endParaRPr lang="en-US"/>
           </a:p>
@@ -22317,7 +22318,7 @@
           <a:p>
             <a:fld id="{D9036FF8-DFB4-DA4A-9D0C-E9CD7C57E776}" type="datetimeFigureOut">
               <a:rPr lang="en-US" smtClean="0"/>
-              <a:t>2/8/21</a:t>
+              <a:t>2/11/21</a:t>
             </a:fld>
             <a:endParaRPr lang="en-US"/>
           </a:p>
@@ -22585,7 +22586,7 @@
           <a:p>
             <a:fld id="{D9036FF8-DFB4-DA4A-9D0C-E9CD7C57E776}" type="datetimeFigureOut">
               <a:rPr lang="en-US" smtClean="0"/>
-              <a:t>2/8/21</a:t>
+              <a:t>2/11/21</a:t>
             </a:fld>
             <a:endParaRPr lang="en-US"/>
           </a:p>
@@ -22817,7 +22818,7 @@
           <a:p>
             <a:fld id="{D9036FF8-DFB4-DA4A-9D0C-E9CD7C57E776}" type="datetimeFigureOut">
               <a:rPr lang="en-US" smtClean="0"/>
-              <a:t>2/8/21</a:t>
+              <a:t>2/11/21</a:t>
             </a:fld>
             <a:endParaRPr lang="en-US"/>
           </a:p>
@@ -23172,7 +23173,7 @@
           <a:p>
             <a:fld id="{D9036FF8-DFB4-DA4A-9D0C-E9CD7C57E776}" type="datetimeFigureOut">
               <a:rPr lang="en-US" smtClean="0"/>
-              <a:t>2/8/21</a:t>
+              <a:t>2/11/21</a:t>
             </a:fld>
             <a:endParaRPr lang="en-US"/>
           </a:p>
@@ -23313,7 +23314,7 @@
           <a:p>
             <a:fld id="{D9036FF8-DFB4-DA4A-9D0C-E9CD7C57E776}" type="datetimeFigureOut">
               <a:rPr lang="en-US" smtClean="0"/>
-              <a:t>2/8/21</a:t>
+              <a:t>2/11/21</a:t>
             </a:fld>
             <a:endParaRPr lang="en-US"/>
           </a:p>
@@ -23408,7 +23409,7 @@
           <a:p>
             <a:fld id="{D9036FF8-DFB4-DA4A-9D0C-E9CD7C57E776}" type="datetimeFigureOut">
               <a:rPr lang="en-US" smtClean="0"/>
-              <a:t>2/8/21</a:t>
+              <a:t>2/11/21</a:t>
             </a:fld>
             <a:endParaRPr lang="en-US"/>
           </a:p>
@@ -23765,7 +23766,7 @@
           <a:p>
             <a:fld id="{D9036FF8-DFB4-DA4A-9D0C-E9CD7C57E776}" type="datetimeFigureOut">
               <a:rPr lang="en-US" smtClean="0"/>
-              <a:t>2/8/21</a:t>
+              <a:t>2/11/21</a:t>
             </a:fld>
             <a:endParaRPr lang="en-US"/>
           </a:p>
@@ -24121,7 +24122,7 @@
           <a:p>
             <a:fld id="{D9036FF8-DFB4-DA4A-9D0C-E9CD7C57E776}" type="datetimeFigureOut">
               <a:rPr lang="en-US" smtClean="0"/>
-              <a:t>2/8/21</a:t>
+              <a:t>2/11/21</a:t>
             </a:fld>
             <a:endParaRPr lang="en-US"/>
           </a:p>
@@ -24361,7 +24362,7 @@
           <a:p>
             <a:fld id="{D9036FF8-DFB4-DA4A-9D0C-E9CD7C57E776}" type="datetimeFigureOut">
               <a:rPr lang="en-US" smtClean="0"/>
-              <a:t>2/8/21</a:t>
+              <a:t>2/11/21</a:t>
             </a:fld>
             <a:endParaRPr lang="en-US"/>
           </a:p>
@@ -30274,8 +30275,8 @@
         </p:nvSpPr>
         <p:spPr>
           <a:xfrm>
-            <a:off x="6870700" y="2654300"/>
-            <a:ext cx="4521200" cy="2794000"/>
+            <a:off x="6870700" y="2654299"/>
+            <a:ext cx="1566718" cy="2845955"/>
           </a:xfrm>
           <a:prstGeom prst="rect">
             <a:avLst/>
@@ -33827,7 +33828,7 @@
           <a:p>
             <a:r>
               <a:rPr lang="en-US" dirty="0"/>
-              <a:t>Primary data source</a:t>
+              <a:t>References</a:t>
             </a:r>
           </a:p>
         </p:txBody>
@@ -34029,6 +34030,99 @@
           <p:cNvPr id="2" name="Title 1">
             <a:extLst>
               <a:ext uri="{FF2B5EF4-FFF2-40B4-BE49-F238E27FC236}">
+                <a16:creationId xmlns:a16="http://schemas.microsoft.com/office/drawing/2014/main" id="{36F60CEB-F424-354F-A66D-1492EC198470}"/>
+              </a:ext>
+            </a:extLst>
+          </p:cNvPr>
+          <p:cNvSpPr>
+            <a:spLocks noGrp="1"/>
+          </p:cNvSpPr>
+          <p:nvPr>
+            <p:ph type="title"/>
+          </p:nvPr>
+        </p:nvSpPr>
+        <p:spPr>
+          <a:xfrm>
+            <a:off x="2231136" y="313031"/>
+            <a:ext cx="7729728" cy="1188720"/>
+          </a:xfrm>
+        </p:spPr>
+        <p:txBody>
+          <a:bodyPr/>
+          <a:lstStyle/>
+          <a:p>
+            <a:r>
+              <a:rPr lang="en-US" dirty="0"/>
+              <a:t>EDA – Audio feature violin graphs</a:t>
+            </a:r>
+          </a:p>
+        </p:txBody>
+      </p:sp>
+      <p:pic>
+        <p:nvPicPr>
+          <p:cNvPr id="4" name="Picture 3">
+            <a:extLst>
+              <a:ext uri="{FF2B5EF4-FFF2-40B4-BE49-F238E27FC236}">
+                <a16:creationId xmlns:a16="http://schemas.microsoft.com/office/drawing/2014/main" id="{B8EEF6DB-4D7D-AC44-B933-FA9CD216026B}"/>
+              </a:ext>
+            </a:extLst>
+          </p:cNvPr>
+          <p:cNvPicPr>
+            <a:picLocks noChangeAspect="1"/>
+          </p:cNvPicPr>
+          <p:nvPr/>
+        </p:nvPicPr>
+        <p:blipFill>
+          <a:blip r:embed="rId2"/>
+          <a:stretch>
+            <a:fillRect/>
+          </a:stretch>
+        </p:blipFill>
+        <p:spPr>
+          <a:xfrm>
+            <a:off x="3057993" y="1603840"/>
+            <a:ext cx="6415792" cy="5254159"/>
+          </a:xfrm>
+          <a:prstGeom prst="rect">
+            <a:avLst/>
+          </a:prstGeom>
+        </p:spPr>
+      </p:pic>
+    </p:spTree>
+    <p:extLst>
+      <p:ext uri="{BB962C8B-B14F-4D97-AF65-F5344CB8AC3E}">
+        <p14:creationId xmlns:p14="http://schemas.microsoft.com/office/powerpoint/2010/main" val="648939295"/>
+      </p:ext>
+    </p:extLst>
+  </p:cSld>
+  <p:clrMapOvr>
+    <a:masterClrMapping/>
+  </p:clrMapOvr>
+</p:sld>
+</file>
+
+<file path=ppt/slides/slide28.xml><?xml version="1.0" encoding="utf-8"?>
+<p:sld xmlns:a="http://schemas.openxmlformats.org/drawingml/2006/main" xmlns:r="http://schemas.openxmlformats.org/officeDocument/2006/relationships" xmlns:p="http://schemas.openxmlformats.org/presentationml/2006/main">
+  <p:cSld>
+    <p:spTree>
+      <p:nvGrpSpPr>
+        <p:cNvPr id="1" name=""/>
+        <p:cNvGrpSpPr/>
+        <p:nvPr/>
+      </p:nvGrpSpPr>
+      <p:grpSpPr>
+        <a:xfrm>
+          <a:off x="0" y="0"/>
+          <a:ext cx="0" cy="0"/>
+          <a:chOff x="0" y="0"/>
+          <a:chExt cx="0" cy="0"/>
+        </a:xfrm>
+      </p:grpSpPr>
+      <p:sp>
+        <p:nvSpPr>
+          <p:cNvPr id="2" name="Title 1">
+            <a:extLst>
+              <a:ext uri="{FF2B5EF4-FFF2-40B4-BE49-F238E27FC236}">
                 <a16:creationId xmlns:a16="http://schemas.microsoft.com/office/drawing/2014/main" id="{BA91ECCE-CEA7-EC44-A3E3-C554CEC5F814}"/>
               </a:ext>
             </a:extLst>
@@ -34118,7 +34212,7 @@
 </p:sld>
 </file>
 
-<file path=ppt/slides/slide28.xml><?xml version="1.0" encoding="utf-8"?>
+<file path=ppt/slides/slide29.xml><?xml version="1.0" encoding="utf-8"?>
 <p:sld xmlns:a="http://schemas.openxmlformats.org/drawingml/2006/main" xmlns:r="http://schemas.openxmlformats.org/officeDocument/2006/relationships" xmlns:p="http://schemas.openxmlformats.org/presentationml/2006/main">
   <p:cSld>
     <p:spTree>
@@ -34318,7 +34412,152 @@
 </p:sld>
 </file>
 
-<file path=ppt/slides/slide29.xml><?xml version="1.0" encoding="utf-8"?>
+<file path=ppt/slides/slide3.xml><?xml version="1.0" encoding="utf-8"?>
+<p:sld xmlns:a="http://schemas.openxmlformats.org/drawingml/2006/main" xmlns:r="http://schemas.openxmlformats.org/officeDocument/2006/relationships" xmlns:p="http://schemas.openxmlformats.org/presentationml/2006/main">
+  <p:cSld>
+    <p:bg>
+      <p:bgPr>
+        <a:solidFill>
+          <a:schemeClr val="bg2"/>
+        </a:solidFill>
+        <a:effectLst/>
+      </p:bgPr>
+    </p:bg>
+    <p:spTree>
+      <p:nvGrpSpPr>
+        <p:cNvPr id="1" name=""/>
+        <p:cNvGrpSpPr/>
+        <p:nvPr/>
+      </p:nvGrpSpPr>
+      <p:grpSpPr>
+        <a:xfrm>
+          <a:off x="0" y="0"/>
+          <a:ext cx="0" cy="0"/>
+          <a:chOff x="0" y="0"/>
+          <a:chExt cx="0" cy="0"/>
+        </a:xfrm>
+      </p:grpSpPr>
+      <p:sp>
+        <p:nvSpPr>
+          <p:cNvPr id="2" name="Title 1">
+            <a:extLst>
+              <a:ext uri="{FF2B5EF4-FFF2-40B4-BE49-F238E27FC236}">
+                <a16:creationId xmlns:a16="http://schemas.microsoft.com/office/drawing/2014/main" id="{F59E8881-CA00-5843-AC52-088037A74C7F}"/>
+              </a:ext>
+            </a:extLst>
+          </p:cNvPr>
+          <p:cNvSpPr>
+            <a:spLocks noGrp="1"/>
+          </p:cNvSpPr>
+          <p:nvPr>
+            <p:ph type="title"/>
+          </p:nvPr>
+        </p:nvSpPr>
+        <p:spPr>
+          <a:xfrm>
+            <a:off x="2231136" y="964692"/>
+            <a:ext cx="7729728" cy="1188720"/>
+          </a:xfrm>
+          <a:solidFill>
+            <a:schemeClr val="bg1">
+              <a:alpha val="0"/>
+            </a:schemeClr>
+          </a:solidFill>
+        </p:spPr>
+        <p:txBody>
+          <a:bodyPr>
+            <a:normAutofit/>
+          </a:bodyPr>
+          <a:lstStyle/>
+          <a:p>
+            <a:r>
+              <a:rPr lang="en-US" dirty="0"/>
+              <a:t>Agenda</a:t>
+            </a:r>
+          </a:p>
+        </p:txBody>
+      </p:sp>
+      <p:pic>
+        <p:nvPicPr>
+          <p:cNvPr id="6" name="Graphic 5" descr="Soundwave with solid fill">
+            <a:extLst>
+              <a:ext uri="{FF2B5EF4-FFF2-40B4-BE49-F238E27FC236}">
+                <a16:creationId xmlns:a16="http://schemas.microsoft.com/office/drawing/2014/main" id="{8E78FB46-35B5-A44F-80D0-D90A190F704E}"/>
+              </a:ext>
+            </a:extLst>
+          </p:cNvPr>
+          <p:cNvPicPr>
+            <a:picLocks noChangeAspect="1"/>
+          </p:cNvPicPr>
+          <p:nvPr/>
+        </p:nvPicPr>
+        <p:blipFill>
+          <a:blip r:embed="rId2">
+            <a:extLst>
+              <a:ext uri="{96DAC541-7B7A-43D3-8B79-37D633B846F1}">
+                <asvg:svgBlip xmlns:asvg="http://schemas.microsoft.com/office/drawing/2016/SVG/main" r:embed="rId3"/>
+              </a:ext>
+            </a:extLst>
+          </a:blip>
+          <a:stretch>
+            <a:fillRect/>
+          </a:stretch>
+        </p:blipFill>
+        <p:spPr>
+          <a:xfrm>
+            <a:off x="11025187" y="5768213"/>
+            <a:ext cx="914400" cy="914400"/>
+          </a:xfrm>
+          <a:prstGeom prst="rect">
+            <a:avLst/>
+          </a:prstGeom>
+        </p:spPr>
+      </p:pic>
+      <p:graphicFrame>
+        <p:nvGraphicFramePr>
+          <p:cNvPr id="5" name="Content Placeholder 2">
+            <a:extLst>
+              <a:ext uri="{FF2B5EF4-FFF2-40B4-BE49-F238E27FC236}">
+                <a16:creationId xmlns:a16="http://schemas.microsoft.com/office/drawing/2014/main" id="{6F06872C-EE3E-4AFF-863E-074918EEE9C5}"/>
+              </a:ext>
+            </a:extLst>
+          </p:cNvPr>
+          <p:cNvGraphicFramePr>
+            <a:graphicFrameLocks noGrp="1"/>
+          </p:cNvGraphicFramePr>
+          <p:nvPr>
+            <p:ph idx="1"/>
+            <p:extLst>
+              <p:ext uri="{D42A27DB-BD31-4B8C-83A1-F6EECF244321}">
+                <p14:modId xmlns:p14="http://schemas.microsoft.com/office/powerpoint/2010/main" val="4062069938"/>
+              </p:ext>
+            </p:extLst>
+          </p:nvPr>
+        </p:nvGraphicFramePr>
+        <p:xfrm>
+          <a:off x="946984" y="2638425"/>
+          <a:ext cx="10298034" cy="3101976"/>
+        </p:xfrm>
+        <a:graphic>
+          <a:graphicData uri="http://schemas.openxmlformats.org/drawingml/2006/diagram">
+            <dgm:relIds xmlns:dgm="http://schemas.openxmlformats.org/drawingml/2006/diagram" xmlns:r="http://schemas.openxmlformats.org/officeDocument/2006/relationships" r:dm="rId4" r:lo="rId5" r:qs="rId6" r:cs="rId7"/>
+          </a:graphicData>
+        </a:graphic>
+      </p:graphicFrame>
+    </p:spTree>
+    <p:extLst>
+      <p:ext uri="{BB962C8B-B14F-4D97-AF65-F5344CB8AC3E}">
+        <p14:creationId xmlns:p14="http://schemas.microsoft.com/office/powerpoint/2010/main" val="140836370"/>
+      </p:ext>
+    </p:extLst>
+  </p:cSld>
+  <p:clrMapOvr>
+    <a:masterClrMapping/>
+  </p:clrMapOvr>
+</p:sld>
+</file>
+
+<file path=ppt/slides/slide30.xml><?xml version="1.0" encoding="utf-8"?>
 <p:sld xmlns:a="http://schemas.openxmlformats.org/drawingml/2006/main" xmlns:r="http://schemas.openxmlformats.org/officeDocument/2006/relationships" xmlns:p="http://schemas.openxmlformats.org/presentationml/2006/main">
   <p:cSld>
     <p:spTree>
@@ -34513,151 +34752,6 @@
     <p:extLst>
       <p:ext uri="{BB962C8B-B14F-4D97-AF65-F5344CB8AC3E}">
         <p14:creationId xmlns:p14="http://schemas.microsoft.com/office/powerpoint/2010/main" val="4126206929"/>
-      </p:ext>
-    </p:extLst>
-  </p:cSld>
-  <p:clrMapOvr>
-    <a:masterClrMapping/>
-  </p:clrMapOvr>
-</p:sld>
-</file>
-
-<file path=ppt/slides/slide3.xml><?xml version="1.0" encoding="utf-8"?>
-<p:sld xmlns:a="http://schemas.openxmlformats.org/drawingml/2006/main" xmlns:r="http://schemas.openxmlformats.org/officeDocument/2006/relationships" xmlns:p="http://schemas.openxmlformats.org/presentationml/2006/main">
-  <p:cSld>
-    <p:bg>
-      <p:bgPr>
-        <a:solidFill>
-          <a:schemeClr val="bg2"/>
-        </a:solidFill>
-        <a:effectLst/>
-      </p:bgPr>
-    </p:bg>
-    <p:spTree>
-      <p:nvGrpSpPr>
-        <p:cNvPr id="1" name=""/>
-        <p:cNvGrpSpPr/>
-        <p:nvPr/>
-      </p:nvGrpSpPr>
-      <p:grpSpPr>
-        <a:xfrm>
-          <a:off x="0" y="0"/>
-          <a:ext cx="0" cy="0"/>
-          <a:chOff x="0" y="0"/>
-          <a:chExt cx="0" cy="0"/>
-        </a:xfrm>
-      </p:grpSpPr>
-      <p:sp>
-        <p:nvSpPr>
-          <p:cNvPr id="2" name="Title 1">
-            <a:extLst>
-              <a:ext uri="{FF2B5EF4-FFF2-40B4-BE49-F238E27FC236}">
-                <a16:creationId xmlns:a16="http://schemas.microsoft.com/office/drawing/2014/main" id="{F59E8881-CA00-5843-AC52-088037A74C7F}"/>
-              </a:ext>
-            </a:extLst>
-          </p:cNvPr>
-          <p:cNvSpPr>
-            <a:spLocks noGrp="1"/>
-          </p:cNvSpPr>
-          <p:nvPr>
-            <p:ph type="title"/>
-          </p:nvPr>
-        </p:nvSpPr>
-        <p:spPr>
-          <a:xfrm>
-            <a:off x="2231136" y="964692"/>
-            <a:ext cx="7729728" cy="1188720"/>
-          </a:xfrm>
-          <a:solidFill>
-            <a:schemeClr val="bg1">
-              <a:alpha val="0"/>
-            </a:schemeClr>
-          </a:solidFill>
-        </p:spPr>
-        <p:txBody>
-          <a:bodyPr>
-            <a:normAutofit/>
-          </a:bodyPr>
-          <a:lstStyle/>
-          <a:p>
-            <a:r>
-              <a:rPr lang="en-US" dirty="0"/>
-              <a:t>Agenda</a:t>
-            </a:r>
-          </a:p>
-        </p:txBody>
-      </p:sp>
-      <p:pic>
-        <p:nvPicPr>
-          <p:cNvPr id="6" name="Graphic 5" descr="Soundwave with solid fill">
-            <a:extLst>
-              <a:ext uri="{FF2B5EF4-FFF2-40B4-BE49-F238E27FC236}">
-                <a16:creationId xmlns:a16="http://schemas.microsoft.com/office/drawing/2014/main" id="{8E78FB46-35B5-A44F-80D0-D90A190F704E}"/>
-              </a:ext>
-            </a:extLst>
-          </p:cNvPr>
-          <p:cNvPicPr>
-            <a:picLocks noChangeAspect="1"/>
-          </p:cNvPicPr>
-          <p:nvPr/>
-        </p:nvPicPr>
-        <p:blipFill>
-          <a:blip r:embed="rId2">
-            <a:extLst>
-              <a:ext uri="{96DAC541-7B7A-43D3-8B79-37D633B846F1}">
-                <asvg:svgBlip xmlns:asvg="http://schemas.microsoft.com/office/drawing/2016/SVG/main" r:embed="rId3"/>
-              </a:ext>
-            </a:extLst>
-          </a:blip>
-          <a:stretch>
-            <a:fillRect/>
-          </a:stretch>
-        </p:blipFill>
-        <p:spPr>
-          <a:xfrm>
-            <a:off x="11025187" y="5768213"/>
-            <a:ext cx="914400" cy="914400"/>
-          </a:xfrm>
-          <a:prstGeom prst="rect">
-            <a:avLst/>
-          </a:prstGeom>
-        </p:spPr>
-      </p:pic>
-      <p:graphicFrame>
-        <p:nvGraphicFramePr>
-          <p:cNvPr id="5" name="Content Placeholder 2">
-            <a:extLst>
-              <a:ext uri="{FF2B5EF4-FFF2-40B4-BE49-F238E27FC236}">
-                <a16:creationId xmlns:a16="http://schemas.microsoft.com/office/drawing/2014/main" id="{6F06872C-EE3E-4AFF-863E-074918EEE9C5}"/>
-              </a:ext>
-            </a:extLst>
-          </p:cNvPr>
-          <p:cNvGraphicFramePr>
-            <a:graphicFrameLocks noGrp="1"/>
-          </p:cNvGraphicFramePr>
-          <p:nvPr>
-            <p:ph idx="1"/>
-            <p:extLst>
-              <p:ext uri="{D42A27DB-BD31-4B8C-83A1-F6EECF244321}">
-                <p14:modId xmlns:p14="http://schemas.microsoft.com/office/powerpoint/2010/main" val="4062069938"/>
-              </p:ext>
-            </p:extLst>
-          </p:nvPr>
-        </p:nvGraphicFramePr>
-        <p:xfrm>
-          <a:off x="946984" y="2638425"/>
-          <a:ext cx="10298034" cy="3101976"/>
-        </p:xfrm>
-        <a:graphic>
-          <a:graphicData uri="http://schemas.openxmlformats.org/drawingml/2006/diagram">
-            <dgm:relIds xmlns:dgm="http://schemas.openxmlformats.org/drawingml/2006/diagram" xmlns:r="http://schemas.openxmlformats.org/officeDocument/2006/relationships" r:dm="rId4" r:lo="rId5" r:qs="rId6" r:cs="rId7"/>
-          </a:graphicData>
-        </a:graphic>
-      </p:graphicFrame>
-    </p:spTree>
-    <p:extLst>
-      <p:ext uri="{BB962C8B-B14F-4D97-AF65-F5344CB8AC3E}">
-        <p14:creationId xmlns:p14="http://schemas.microsoft.com/office/powerpoint/2010/main" val="140836370"/>
       </p:ext>
     </p:extLst>
   </p:cSld>

--- a/presentations/bbspot_final.pptx
+++ b/presentations/bbspot_final.pptx
@@ -21798,7 +21798,7 @@
           <a:p>
             <a:fld id="{D9036FF8-DFB4-DA4A-9D0C-E9CD7C57E776}" type="datetimeFigureOut">
               <a:rPr lang="en-US" smtClean="0"/>
-              <a:t>2/11/21</a:t>
+              <a:t>3/25/21</a:t>
             </a:fld>
             <a:endParaRPr lang="en-US"/>
           </a:p>
@@ -21968,7 +21968,7 @@
           <a:p>
             <a:fld id="{D9036FF8-DFB4-DA4A-9D0C-E9CD7C57E776}" type="datetimeFigureOut">
               <a:rPr lang="en-US" smtClean="0"/>
-              <a:t>2/11/21</a:t>
+              <a:t>3/25/21</a:t>
             </a:fld>
             <a:endParaRPr lang="en-US"/>
           </a:p>
@@ -22148,7 +22148,7 @@
           <a:p>
             <a:fld id="{D9036FF8-DFB4-DA4A-9D0C-E9CD7C57E776}" type="datetimeFigureOut">
               <a:rPr lang="en-US" smtClean="0"/>
-              <a:t>2/11/21</a:t>
+              <a:t>3/25/21</a:t>
             </a:fld>
             <a:endParaRPr lang="en-US"/>
           </a:p>
@@ -22318,7 +22318,7 @@
           <a:p>
             <a:fld id="{D9036FF8-DFB4-DA4A-9D0C-E9CD7C57E776}" type="datetimeFigureOut">
               <a:rPr lang="en-US" smtClean="0"/>
-              <a:t>2/11/21</a:t>
+              <a:t>3/25/21</a:t>
             </a:fld>
             <a:endParaRPr lang="en-US"/>
           </a:p>
@@ -22586,7 +22586,7 @@
           <a:p>
             <a:fld id="{D9036FF8-DFB4-DA4A-9D0C-E9CD7C57E776}" type="datetimeFigureOut">
               <a:rPr lang="en-US" smtClean="0"/>
-              <a:t>2/11/21</a:t>
+              <a:t>3/25/21</a:t>
             </a:fld>
             <a:endParaRPr lang="en-US"/>
           </a:p>
@@ -22818,7 +22818,7 @@
           <a:p>
             <a:fld id="{D9036FF8-DFB4-DA4A-9D0C-E9CD7C57E776}" type="datetimeFigureOut">
               <a:rPr lang="en-US" smtClean="0"/>
-              <a:t>2/11/21</a:t>
+              <a:t>3/25/21</a:t>
             </a:fld>
             <a:endParaRPr lang="en-US"/>
           </a:p>
@@ -23173,7 +23173,7 @@
           <a:p>
             <a:fld id="{D9036FF8-DFB4-DA4A-9D0C-E9CD7C57E776}" type="datetimeFigureOut">
               <a:rPr lang="en-US" smtClean="0"/>
-              <a:t>2/11/21</a:t>
+              <a:t>3/25/21</a:t>
             </a:fld>
             <a:endParaRPr lang="en-US"/>
           </a:p>
@@ -23314,7 +23314,7 @@
           <a:p>
             <a:fld id="{D9036FF8-DFB4-DA4A-9D0C-E9CD7C57E776}" type="datetimeFigureOut">
               <a:rPr lang="en-US" smtClean="0"/>
-              <a:t>2/11/21</a:t>
+              <a:t>3/25/21</a:t>
             </a:fld>
             <a:endParaRPr lang="en-US"/>
           </a:p>
@@ -23409,7 +23409,7 @@
           <a:p>
             <a:fld id="{D9036FF8-DFB4-DA4A-9D0C-E9CD7C57E776}" type="datetimeFigureOut">
               <a:rPr lang="en-US" smtClean="0"/>
-              <a:t>2/11/21</a:t>
+              <a:t>3/25/21</a:t>
             </a:fld>
             <a:endParaRPr lang="en-US"/>
           </a:p>
@@ -23766,7 +23766,7 @@
           <a:p>
             <a:fld id="{D9036FF8-DFB4-DA4A-9D0C-E9CD7C57E776}" type="datetimeFigureOut">
               <a:rPr lang="en-US" smtClean="0"/>
-              <a:t>2/11/21</a:t>
+              <a:t>3/25/21</a:t>
             </a:fld>
             <a:endParaRPr lang="en-US"/>
           </a:p>
@@ -24122,7 +24122,7 @@
           <a:p>
             <a:fld id="{D9036FF8-DFB4-DA4A-9D0C-E9CD7C57E776}" type="datetimeFigureOut">
               <a:rPr lang="en-US" smtClean="0"/>
-              <a:t>2/11/21</a:t>
+              <a:t>3/25/21</a:t>
             </a:fld>
             <a:endParaRPr lang="en-US"/>
           </a:p>
@@ -24362,7 +24362,7 @@
           <a:p>
             <a:fld id="{D9036FF8-DFB4-DA4A-9D0C-E9CD7C57E776}" type="datetimeFigureOut">
               <a:rPr lang="en-US" smtClean="0"/>
-              <a:t>2/11/21</a:t>
+              <a:t>3/25/21</a:t>
             </a:fld>
             <a:endParaRPr lang="en-US"/>
           </a:p>
@@ -31801,7 +31801,7 @@
           <a:p>
             <a:r>
               <a:rPr lang="en-US" dirty="0"/>
-              <a:t>Missed Hit prediction</a:t>
+              <a:t>Hit prediction (Miss)</a:t>
             </a:r>
             <a:br>
               <a:rPr lang="en-US" dirty="0"/>
@@ -31987,6 +31987,84 @@
           </a:prstGeom>
         </p:spPr>
       </p:pic>
+      <p:sp>
+        <p:nvSpPr>
+          <p:cNvPr id="3" name="TextBox 2">
+            <a:extLst>
+              <a:ext uri="{FF2B5EF4-FFF2-40B4-BE49-F238E27FC236}">
+                <a16:creationId xmlns:a16="http://schemas.microsoft.com/office/drawing/2014/main" id="{DF038761-AFBB-5249-8EEF-8BC50E39A2A7}"/>
+              </a:ext>
+            </a:extLst>
+          </p:cNvPr>
+          <p:cNvSpPr txBox="1"/>
+          <p:nvPr/>
+        </p:nvSpPr>
+        <p:spPr>
+          <a:xfrm>
+            <a:off x="542380" y="1963973"/>
+            <a:ext cx="685094" cy="369332"/>
+          </a:xfrm>
+          <a:prstGeom prst="rect">
+            <a:avLst/>
+          </a:prstGeom>
+          <a:noFill/>
+        </p:spPr>
+        <p:txBody>
+          <a:bodyPr wrap="square" rtlCol="0">
+            <a:spAutoFit/>
+          </a:bodyPr>
+          <a:lstStyle/>
+          <a:p>
+            <a:r>
+              <a:rPr lang="en-US" dirty="0">
+                <a:solidFill>
+                  <a:srgbClr val="0070C0"/>
+                </a:solidFill>
+              </a:rPr>
+              <a:t>HIT</a:t>
+            </a:r>
+          </a:p>
+        </p:txBody>
+      </p:sp>
+      <p:sp>
+        <p:nvSpPr>
+          <p:cNvPr id="4" name="TextBox 3">
+            <a:extLst>
+              <a:ext uri="{FF2B5EF4-FFF2-40B4-BE49-F238E27FC236}">
+                <a16:creationId xmlns:a16="http://schemas.microsoft.com/office/drawing/2014/main" id="{2F65BCE8-EA4E-2644-ABA2-28E6D6115539}"/>
+              </a:ext>
+            </a:extLst>
+          </p:cNvPr>
+          <p:cNvSpPr txBox="1"/>
+          <p:nvPr/>
+        </p:nvSpPr>
+        <p:spPr>
+          <a:xfrm>
+            <a:off x="11003655" y="2041765"/>
+            <a:ext cx="645965" cy="369332"/>
+          </a:xfrm>
+          <a:prstGeom prst="rect">
+            <a:avLst/>
+          </a:prstGeom>
+          <a:noFill/>
+        </p:spPr>
+        <p:txBody>
+          <a:bodyPr wrap="square" rtlCol="0">
+            <a:spAutoFit/>
+          </a:bodyPr>
+          <a:lstStyle/>
+          <a:p>
+            <a:r>
+              <a:rPr lang="en-US" dirty="0">
+                <a:solidFill>
+                  <a:srgbClr val="FF0000"/>
+                </a:solidFill>
+              </a:rPr>
+              <a:t>MISS</a:t>
+            </a:r>
+          </a:p>
+        </p:txBody>
+      </p:sp>
     </p:spTree>
     <p:extLst>
       <p:ext uri="{BB962C8B-B14F-4D97-AF65-F5344CB8AC3E}">
@@ -32229,6 +32307,86 @@
             <a:r>
               <a:rPr lang="en-US" sz="1800" dirty="0"/>
               <a:t>Post Malone vs. muse</a:t>
+            </a:r>
+          </a:p>
+        </p:txBody>
+      </p:sp>
+      <p:sp>
+        <p:nvSpPr>
+          <p:cNvPr id="8" name="TextBox 7">
+            <a:extLst>
+              <a:ext uri="{FF2B5EF4-FFF2-40B4-BE49-F238E27FC236}">
+                <a16:creationId xmlns:a16="http://schemas.microsoft.com/office/drawing/2014/main" id="{83B453C5-F94B-B04E-8800-F41CDE3A4476}"/>
+              </a:ext>
+            </a:extLst>
+          </p:cNvPr>
+          <p:cNvSpPr txBox="1"/>
+          <p:nvPr/>
+        </p:nvSpPr>
+        <p:spPr>
+          <a:xfrm>
+            <a:off x="542380" y="1963973"/>
+            <a:ext cx="685094" cy="369332"/>
+          </a:xfrm>
+          <a:prstGeom prst="rect">
+            <a:avLst/>
+          </a:prstGeom>
+          <a:noFill/>
+        </p:spPr>
+        <p:txBody>
+          <a:bodyPr wrap="square" rtlCol="0">
+            <a:spAutoFit/>
+          </a:bodyPr>
+          <a:lstStyle/>
+          <a:p>
+            <a:r>
+              <a:rPr lang="en-US" dirty="0">
+                <a:solidFill>
+                  <a:srgbClr val="0070C0"/>
+                </a:solidFill>
+              </a:rPr>
+              <a:t>HIT</a:t>
+            </a:r>
+          </a:p>
+        </p:txBody>
+      </p:sp>
+      <p:sp>
+        <p:nvSpPr>
+          <p:cNvPr id="9" name="TextBox 8">
+            <a:extLst>
+              <a:ext uri="{FF2B5EF4-FFF2-40B4-BE49-F238E27FC236}">
+                <a16:creationId xmlns:a16="http://schemas.microsoft.com/office/drawing/2014/main" id="{8DDE18A3-1774-504B-98C3-59CFF6165BD4}"/>
+              </a:ext>
+            </a:extLst>
+          </p:cNvPr>
+          <p:cNvSpPr txBox="1"/>
+          <p:nvPr/>
+        </p:nvSpPr>
+        <p:spPr>
+          <a:xfrm>
+            <a:off x="10904508" y="1963973"/>
+            <a:ext cx="902010" cy="369332"/>
+          </a:xfrm>
+          <a:prstGeom prst="rect">
+            <a:avLst/>
+          </a:prstGeom>
+          <a:noFill/>
+        </p:spPr>
+        <p:txBody>
+          <a:bodyPr wrap="square" rtlCol="0">
+            <a:spAutoFit/>
+          </a:bodyPr>
+          <a:lstStyle/>
+          <a:p>
+            <a:r>
+              <a:rPr lang="en-US" dirty="0">
+                <a:solidFill>
+                  <a:schemeClr val="accent3">
+                    <a:lumMod val="75000"/>
+                  </a:schemeClr>
+                </a:solidFill>
+              </a:rPr>
+              <a:t>EDGE</a:t>
             </a:r>
           </a:p>
         </p:txBody>
@@ -32483,6 +32641,84 @@
             <a:r>
               <a:rPr lang="en-US" sz="1800" dirty="0"/>
               <a:t> swift</a:t>
+            </a:r>
+          </a:p>
+        </p:txBody>
+      </p:sp>
+      <p:sp>
+        <p:nvSpPr>
+          <p:cNvPr id="8" name="TextBox 7">
+            <a:extLst>
+              <a:ext uri="{FF2B5EF4-FFF2-40B4-BE49-F238E27FC236}">
+                <a16:creationId xmlns:a16="http://schemas.microsoft.com/office/drawing/2014/main" id="{F1B87853-A424-ED41-BBFA-5D27FECE265B}"/>
+              </a:ext>
+            </a:extLst>
+          </p:cNvPr>
+          <p:cNvSpPr txBox="1"/>
+          <p:nvPr/>
+        </p:nvSpPr>
+        <p:spPr>
+          <a:xfrm>
+            <a:off x="542380" y="1963973"/>
+            <a:ext cx="685094" cy="369332"/>
+          </a:xfrm>
+          <a:prstGeom prst="rect">
+            <a:avLst/>
+          </a:prstGeom>
+          <a:noFill/>
+        </p:spPr>
+        <p:txBody>
+          <a:bodyPr wrap="square" rtlCol="0">
+            <a:spAutoFit/>
+          </a:bodyPr>
+          <a:lstStyle/>
+          <a:p>
+            <a:r>
+              <a:rPr lang="en-US" dirty="0">
+                <a:solidFill>
+                  <a:srgbClr val="0070C0"/>
+                </a:solidFill>
+              </a:rPr>
+              <a:t>HIT</a:t>
+            </a:r>
+          </a:p>
+        </p:txBody>
+      </p:sp>
+      <p:sp>
+        <p:nvSpPr>
+          <p:cNvPr id="9" name="TextBox 8">
+            <a:extLst>
+              <a:ext uri="{FF2B5EF4-FFF2-40B4-BE49-F238E27FC236}">
+                <a16:creationId xmlns:a16="http://schemas.microsoft.com/office/drawing/2014/main" id="{8EE67AFF-9B4A-9C4F-A8F7-45CFF1519F70}"/>
+              </a:ext>
+            </a:extLst>
+          </p:cNvPr>
+          <p:cNvSpPr txBox="1"/>
+          <p:nvPr/>
+        </p:nvSpPr>
+        <p:spPr>
+          <a:xfrm>
+            <a:off x="10964526" y="1963973"/>
+            <a:ext cx="685094" cy="369332"/>
+          </a:xfrm>
+          <a:prstGeom prst="rect">
+            <a:avLst/>
+          </a:prstGeom>
+          <a:noFill/>
+        </p:spPr>
+        <p:txBody>
+          <a:bodyPr wrap="square" rtlCol="0">
+            <a:spAutoFit/>
+          </a:bodyPr>
+          <a:lstStyle/>
+          <a:p>
+            <a:r>
+              <a:rPr lang="en-US" dirty="0">
+                <a:solidFill>
+                  <a:srgbClr val="0070C0"/>
+                </a:solidFill>
+              </a:rPr>
+              <a:t>HIT</a:t>
             </a:r>
           </a:p>
         </p:txBody>
